--- a/Publish Paper/Diagram/F1 RECALL GRAPH.pptx
+++ b/Publish Paper/Diagram/F1 RECALL GRAPH.pptx
@@ -289,7 +289,7 @@
               <c:strCache>
                 <c:ptCount val="1"/>
                 <c:pt idx="0">
-                  <c:v>InceptionResNetV2 + AD</c:v>
+                  <c:v>DenseNet201 + MD + WL</c:v>
                 </c:pt>
               </c:strCache>
             </c:strRef>
@@ -340,25 +340,25 @@
                 <c:formatCode>General</c:formatCode>
                 <c:ptCount val="7"/>
                 <c:pt idx="0">
-                  <c:v>0.42</c:v>
+                  <c:v>0.84</c:v>
                 </c:pt>
                 <c:pt idx="1">
-                  <c:v>0.63</c:v>
+                  <c:v>0.77</c:v>
                 </c:pt>
                 <c:pt idx="2">
-                  <c:v>0.51</c:v>
+                  <c:v>0.81</c:v>
                 </c:pt>
                 <c:pt idx="3">
-                  <c:v>0.35</c:v>
+                  <c:v>0.83</c:v>
                 </c:pt>
                 <c:pt idx="4">
-                  <c:v>0.56999999999999995</c:v>
+                  <c:v>0.69</c:v>
                 </c:pt>
                 <c:pt idx="5">
-                  <c:v>0.9</c:v>
+                  <c:v>0.94</c:v>
                 </c:pt>
                 <c:pt idx="6">
-                  <c:v>0.7</c:v>
+                  <c:v>0.97</c:v>
                 </c:pt>
               </c:numCache>
             </c:numRef>
@@ -452,6 +452,7 @@
         <c:scaling>
           <c:orientation val="minMax"/>
           <c:max val="1"/>
+          <c:min val="0.4"/>
         </c:scaling>
         <c:delete val="0"/>
         <c:axPos val="l"/>
@@ -504,6 +505,45 @@
         <c:crosses val="autoZero"/>
         <c:crossBetween val="between"/>
       </c:valAx>
+      <c:dTable>
+        <c:showHorzBorder val="1"/>
+        <c:showVertBorder val="1"/>
+        <c:showOutline val="1"/>
+        <c:showKeys val="1"/>
+        <c:spPr>
+          <a:noFill/>
+          <a:ln w="9525" cap="flat" cmpd="sng" algn="ctr">
+            <a:solidFill>
+              <a:schemeClr val="dk1">
+                <a:lumMod val="15000"/>
+                <a:lumOff val="85000"/>
+              </a:schemeClr>
+            </a:solidFill>
+            <a:round/>
+          </a:ln>
+          <a:effectLst/>
+        </c:spPr>
+        <c:txPr>
+          <a:bodyPr rot="0" spcFirstLastPara="1" vertOverflow="ellipsis" vert="horz" wrap="square" anchor="ctr" anchorCtr="1"/>
+          <a:lstStyle/>
+          <a:p>
+            <a:pPr rtl="0">
+              <a:defRPr sz="1064" b="0" i="0" u="none" strike="noStrike" kern="1200" baseline="0">
+                <a:solidFill>
+                  <a:schemeClr val="dk1">
+                    <a:lumMod val="65000"/>
+                    <a:lumOff val="35000"/>
+                  </a:schemeClr>
+                </a:solidFill>
+                <a:latin typeface="+mn-lt"/>
+                <a:ea typeface="+mn-ea"/>
+                <a:cs typeface="+mn-cs"/>
+              </a:defRPr>
+            </a:pPr>
+            <a:endParaRPr lang="en-US"/>
+          </a:p>
+        </c:txPr>
+      </c:dTable>
       <c:spPr>
         <a:pattFill prst="ltDnDiag">
           <a:fgClr>
@@ -680,7 +720,7 @@
               <c:strCache>
                 <c:ptCount val="1"/>
                 <c:pt idx="0">
-                  <c:v>DenseNet201 + MD + WL</c:v>
+                  <c:v>InceptionResNetV2 + AD</c:v>
                 </c:pt>
               </c:strCache>
             </c:strRef>
@@ -731,25 +771,25 @@
                 <c:formatCode>General</c:formatCode>
                 <c:ptCount val="7"/>
                 <c:pt idx="0">
-                  <c:v>0.84</c:v>
+                  <c:v>0.42</c:v>
                 </c:pt>
                 <c:pt idx="1">
-                  <c:v>0.77</c:v>
+                  <c:v>0.63</c:v>
                 </c:pt>
                 <c:pt idx="2">
-                  <c:v>0.81</c:v>
+                  <c:v>0.51</c:v>
                 </c:pt>
                 <c:pt idx="3">
-                  <c:v>0.83</c:v>
+                  <c:v>0.35</c:v>
                 </c:pt>
                 <c:pt idx="4">
-                  <c:v>0.69</c:v>
+                  <c:v>0.56999999999999995</c:v>
                 </c:pt>
                 <c:pt idx="5">
-                  <c:v>0.94</c:v>
+                  <c:v>0.9</c:v>
                 </c:pt>
                 <c:pt idx="6">
-                  <c:v>0.97</c:v>
+                  <c:v>0.7</c:v>
                 </c:pt>
               </c:numCache>
             </c:numRef>
@@ -935,6 +975,7 @@
         <c:scaling>
           <c:orientation val="minMax"/>
           <c:max val="1"/>
+          <c:min val="0.30000000000000004"/>
         </c:scaling>
         <c:delete val="0"/>
         <c:axPos val="l"/>
@@ -987,6 +1028,45 @@
         <c:crosses val="autoZero"/>
         <c:crossBetween val="between"/>
       </c:valAx>
+      <c:dTable>
+        <c:showHorzBorder val="1"/>
+        <c:showVertBorder val="1"/>
+        <c:showOutline val="1"/>
+        <c:showKeys val="1"/>
+        <c:spPr>
+          <a:noFill/>
+          <a:ln w="9525" cap="flat" cmpd="sng" algn="ctr">
+            <a:solidFill>
+              <a:schemeClr val="dk1">
+                <a:lumMod val="15000"/>
+                <a:lumOff val="85000"/>
+              </a:schemeClr>
+            </a:solidFill>
+            <a:round/>
+          </a:ln>
+          <a:effectLst/>
+        </c:spPr>
+        <c:txPr>
+          <a:bodyPr rot="0" spcFirstLastPara="1" vertOverflow="ellipsis" vert="horz" wrap="square" anchor="ctr" anchorCtr="1"/>
+          <a:lstStyle/>
+          <a:p>
+            <a:pPr rtl="0">
+              <a:defRPr sz="1064" b="0" i="0" u="none" strike="noStrike" kern="1200" baseline="0">
+                <a:solidFill>
+                  <a:schemeClr val="dk1">
+                    <a:lumMod val="65000"/>
+                    <a:lumOff val="35000"/>
+                  </a:schemeClr>
+                </a:solidFill>
+                <a:latin typeface="+mn-lt"/>
+                <a:ea typeface="+mn-ea"/>
+                <a:cs typeface="+mn-cs"/>
+              </a:defRPr>
+            </a:pPr>
+            <a:endParaRPr lang="en-US"/>
+          </a:p>
+        </c:txPr>
+      </c:dTable>
       <c:spPr>
         <a:pattFill prst="ltDnDiag">
           <a:fgClr>
@@ -1252,7 +1332,7 @@
               <c:strCache>
                 <c:ptCount val="1"/>
                 <c:pt idx="0">
-                  <c:v>InceptionResNetV2 + AD</c:v>
+                  <c:v>DenseNet201 + MD + WL</c:v>
                 </c:pt>
               </c:strCache>
             </c:strRef>
@@ -1307,25 +1387,25 @@
                 <c:formatCode>General</c:formatCode>
                 <c:ptCount val="7"/>
                 <c:pt idx="0">
-                  <c:v>0.37</c:v>
+                  <c:v>0.85</c:v>
                 </c:pt>
                 <c:pt idx="1">
-                  <c:v>0.6</c:v>
+                  <c:v>0.75</c:v>
                 </c:pt>
                 <c:pt idx="2">
-                  <c:v>0.55000000000000004</c:v>
+                  <c:v>0.78</c:v>
                 </c:pt>
                 <c:pt idx="3">
-                  <c:v>0.24</c:v>
+                  <c:v>0.83</c:v>
                 </c:pt>
                 <c:pt idx="4">
-                  <c:v>0.59</c:v>
+                  <c:v>0.63</c:v>
                 </c:pt>
                 <c:pt idx="5">
-                  <c:v>0.9</c:v>
+                  <c:v>0.96</c:v>
                 </c:pt>
                 <c:pt idx="6">
-                  <c:v>0.67</c:v>
+                  <c:v>1</c:v>
                 </c:pt>
               </c:numCache>
             </c:numRef>
@@ -1418,6 +1498,7 @@
         <c:scaling>
           <c:orientation val="minMax"/>
           <c:max val="1"/>
+          <c:min val="0.5"/>
         </c:scaling>
         <c:delete val="0"/>
         <c:axPos val="l"/>
@@ -1470,6 +1551,45 @@
         <c:crosses val="autoZero"/>
         <c:crossBetween val="between"/>
       </c:valAx>
+      <c:dTable>
+        <c:showHorzBorder val="1"/>
+        <c:showVertBorder val="1"/>
+        <c:showOutline val="1"/>
+        <c:showKeys val="1"/>
+        <c:spPr>
+          <a:noFill/>
+          <a:ln w="9525" cap="flat" cmpd="sng" algn="ctr">
+            <a:solidFill>
+              <a:schemeClr val="dk1">
+                <a:lumMod val="15000"/>
+                <a:lumOff val="85000"/>
+              </a:schemeClr>
+            </a:solidFill>
+            <a:round/>
+          </a:ln>
+          <a:effectLst/>
+        </c:spPr>
+        <c:txPr>
+          <a:bodyPr rot="0" spcFirstLastPara="1" vertOverflow="ellipsis" vert="horz" wrap="square" anchor="ctr" anchorCtr="1"/>
+          <a:lstStyle/>
+          <a:p>
+            <a:pPr rtl="0">
+              <a:defRPr sz="1064" b="0" i="0" u="none" strike="noStrike" kern="1200" baseline="0">
+                <a:solidFill>
+                  <a:schemeClr val="dk1">
+                    <a:lumMod val="65000"/>
+                    <a:lumOff val="35000"/>
+                  </a:schemeClr>
+                </a:solidFill>
+                <a:latin typeface="+mn-lt"/>
+                <a:ea typeface="+mn-ea"/>
+                <a:cs typeface="+mn-cs"/>
+              </a:defRPr>
+            </a:pPr>
+            <a:endParaRPr lang="en-US"/>
+          </a:p>
+        </c:txPr>
+      </c:dTable>
       <c:spPr>
         <a:pattFill prst="ltDnDiag">
           <a:fgClr>
@@ -1646,7 +1766,7 @@
               <c:strCache>
                 <c:ptCount val="1"/>
                 <c:pt idx="0">
-                  <c:v>DenseNet201 + MD + WL</c:v>
+                  <c:v>InceptionResNet + AD</c:v>
                 </c:pt>
               </c:strCache>
             </c:strRef>
@@ -1697,25 +1817,25 @@
                 <c:formatCode>General</c:formatCode>
                 <c:ptCount val="7"/>
                 <c:pt idx="0">
-                  <c:v>0.85</c:v>
+                  <c:v>0.37</c:v>
                 </c:pt>
                 <c:pt idx="1">
-                  <c:v>0.75</c:v>
+                  <c:v>0.6</c:v>
                 </c:pt>
                 <c:pt idx="2">
-                  <c:v>0.78</c:v>
+                  <c:v>0.55000000000000004</c:v>
                 </c:pt>
                 <c:pt idx="3">
-                  <c:v>0.83</c:v>
+                  <c:v>0.24</c:v>
                 </c:pt>
                 <c:pt idx="4">
-                  <c:v>0.63</c:v>
+                  <c:v>0.59</c:v>
                 </c:pt>
                 <c:pt idx="5">
-                  <c:v>0.96</c:v>
+                  <c:v>0.9</c:v>
                 </c:pt>
                 <c:pt idx="6">
-                  <c:v>1</c:v>
+                  <c:v>0.67</c:v>
                 </c:pt>
               </c:numCache>
             </c:numRef>
@@ -1953,6 +2073,45 @@
         <c:crosses val="autoZero"/>
         <c:crossBetween val="between"/>
       </c:valAx>
+      <c:dTable>
+        <c:showHorzBorder val="1"/>
+        <c:showVertBorder val="1"/>
+        <c:showOutline val="1"/>
+        <c:showKeys val="1"/>
+        <c:spPr>
+          <a:noFill/>
+          <a:ln w="9525" cap="flat" cmpd="sng" algn="ctr">
+            <a:solidFill>
+              <a:schemeClr val="dk1">
+                <a:lumMod val="15000"/>
+                <a:lumOff val="85000"/>
+              </a:schemeClr>
+            </a:solidFill>
+            <a:round/>
+          </a:ln>
+          <a:effectLst/>
+        </c:spPr>
+        <c:txPr>
+          <a:bodyPr rot="0" spcFirstLastPara="1" vertOverflow="ellipsis" vert="horz" wrap="square" anchor="ctr" anchorCtr="1"/>
+          <a:lstStyle/>
+          <a:p>
+            <a:pPr rtl="0">
+              <a:defRPr sz="1064" b="0" i="0" u="none" strike="noStrike" kern="1200" baseline="0">
+                <a:solidFill>
+                  <a:schemeClr val="dk1">
+                    <a:lumMod val="65000"/>
+                    <a:lumOff val="35000"/>
+                  </a:schemeClr>
+                </a:solidFill>
+                <a:latin typeface="+mn-lt"/>
+                <a:ea typeface="+mn-ea"/>
+                <a:cs typeface="+mn-cs"/>
+              </a:defRPr>
+            </a:pPr>
+            <a:endParaRPr lang="en-US"/>
+          </a:p>
+        </c:txPr>
+      </c:dTable>
       <c:spPr>
         <a:pattFill prst="ltDnDiag">
           <a:fgClr>
@@ -4547,7 +4706,7 @@
           <a:p>
             <a:fld id="{396A955B-9A60-44C9-BFED-8BFF8F897FDE}" type="datetimeFigureOut">
               <a:rPr lang="en-US" smtClean="0"/>
-              <a:t>8/12/2022</a:t>
+              <a:t>8/19/2022</a:t>
             </a:fld>
             <a:endParaRPr lang="en-US"/>
           </a:p>
@@ -4745,7 +4904,7 @@
           <a:p>
             <a:fld id="{396A955B-9A60-44C9-BFED-8BFF8F897FDE}" type="datetimeFigureOut">
               <a:rPr lang="en-US" smtClean="0"/>
-              <a:t>8/12/2022</a:t>
+              <a:t>8/19/2022</a:t>
             </a:fld>
             <a:endParaRPr lang="en-US"/>
           </a:p>
@@ -4953,7 +5112,7 @@
           <a:p>
             <a:fld id="{396A955B-9A60-44C9-BFED-8BFF8F897FDE}" type="datetimeFigureOut">
               <a:rPr lang="en-US" smtClean="0"/>
-              <a:t>8/12/2022</a:t>
+              <a:t>8/19/2022</a:t>
             </a:fld>
             <a:endParaRPr lang="en-US"/>
           </a:p>
@@ -5151,7 +5310,7 @@
           <a:p>
             <a:fld id="{396A955B-9A60-44C9-BFED-8BFF8F897FDE}" type="datetimeFigureOut">
               <a:rPr lang="en-US" smtClean="0"/>
-              <a:t>8/12/2022</a:t>
+              <a:t>8/19/2022</a:t>
             </a:fld>
             <a:endParaRPr lang="en-US"/>
           </a:p>
@@ -5426,7 +5585,7 @@
           <a:p>
             <a:fld id="{396A955B-9A60-44C9-BFED-8BFF8F897FDE}" type="datetimeFigureOut">
               <a:rPr lang="en-US" smtClean="0"/>
-              <a:t>8/12/2022</a:t>
+              <a:t>8/19/2022</a:t>
             </a:fld>
             <a:endParaRPr lang="en-US"/>
           </a:p>
@@ -5691,7 +5850,7 @@
           <a:p>
             <a:fld id="{396A955B-9A60-44C9-BFED-8BFF8F897FDE}" type="datetimeFigureOut">
               <a:rPr lang="en-US" smtClean="0"/>
-              <a:t>8/12/2022</a:t>
+              <a:t>8/19/2022</a:t>
             </a:fld>
             <a:endParaRPr lang="en-US"/>
           </a:p>
@@ -6103,7 +6262,7 @@
           <a:p>
             <a:fld id="{396A955B-9A60-44C9-BFED-8BFF8F897FDE}" type="datetimeFigureOut">
               <a:rPr lang="en-US" smtClean="0"/>
-              <a:t>8/12/2022</a:t>
+              <a:t>8/19/2022</a:t>
             </a:fld>
             <a:endParaRPr lang="en-US"/>
           </a:p>
@@ -6244,7 +6403,7 @@
           <a:p>
             <a:fld id="{396A955B-9A60-44C9-BFED-8BFF8F897FDE}" type="datetimeFigureOut">
               <a:rPr lang="en-US" smtClean="0"/>
-              <a:t>8/12/2022</a:t>
+              <a:t>8/19/2022</a:t>
             </a:fld>
             <a:endParaRPr lang="en-US"/>
           </a:p>
@@ -6357,7 +6516,7 @@
           <a:p>
             <a:fld id="{396A955B-9A60-44C9-BFED-8BFF8F897FDE}" type="datetimeFigureOut">
               <a:rPr lang="en-US" smtClean="0"/>
-              <a:t>8/12/2022</a:t>
+              <a:t>8/19/2022</a:t>
             </a:fld>
             <a:endParaRPr lang="en-US"/>
           </a:p>
@@ -6668,7 +6827,7 @@
           <a:p>
             <a:fld id="{396A955B-9A60-44C9-BFED-8BFF8F897FDE}" type="datetimeFigureOut">
               <a:rPr lang="en-US" smtClean="0"/>
-              <a:t>8/12/2022</a:t>
+              <a:t>8/19/2022</a:t>
             </a:fld>
             <a:endParaRPr lang="en-US"/>
           </a:p>
@@ -6956,7 +7115,7 @@
           <a:p>
             <a:fld id="{396A955B-9A60-44C9-BFED-8BFF8F897FDE}" type="datetimeFigureOut">
               <a:rPr lang="en-US" smtClean="0"/>
-              <a:t>8/12/2022</a:t>
+              <a:t>8/19/2022</a:t>
             </a:fld>
             <a:endParaRPr lang="en-US"/>
           </a:p>
@@ -7197,7 +7356,7 @@
           <a:p>
             <a:fld id="{396A955B-9A60-44C9-BFED-8BFF8F897FDE}" type="datetimeFigureOut">
               <a:rPr lang="en-US" smtClean="0"/>
-              <a:t>8/12/2022</a:t>
+              <a:t>8/19/2022</a:t>
             </a:fld>
             <a:endParaRPr lang="en-US"/>
           </a:p>
@@ -7627,7 +7786,7 @@
           <p:nvPr>
             <p:extLst>
               <p:ext uri="{D42A27DB-BD31-4B8C-83A1-F6EECF244321}">
-                <p14:modId xmlns:p14="http://schemas.microsoft.com/office/powerpoint/2010/main" val="2405261233"/>
+                <p14:modId xmlns:p14="http://schemas.microsoft.com/office/powerpoint/2010/main" val="2814639135"/>
               </p:ext>
             </p:extLst>
           </p:nvPr>
@@ -7685,7 +7844,7 @@
           <p:nvPr>
             <p:extLst>
               <p:ext uri="{D42A27DB-BD31-4B8C-83A1-F6EECF244321}">
-                <p14:modId xmlns:p14="http://schemas.microsoft.com/office/powerpoint/2010/main" val="3898123084"/>
+                <p14:modId xmlns:p14="http://schemas.microsoft.com/office/powerpoint/2010/main" val="1410438843"/>
               </p:ext>
             </p:extLst>
           </p:nvPr>
@@ -7743,7 +7902,7 @@
           <p:nvPr>
             <p:extLst>
               <p:ext uri="{D42A27DB-BD31-4B8C-83A1-F6EECF244321}">
-                <p14:modId xmlns:p14="http://schemas.microsoft.com/office/powerpoint/2010/main" val="3752858607"/>
+                <p14:modId xmlns:p14="http://schemas.microsoft.com/office/powerpoint/2010/main" val="2403751936"/>
               </p:ext>
             </p:extLst>
           </p:nvPr>
@@ -7801,7 +7960,7 @@
           <p:nvPr>
             <p:extLst>
               <p:ext uri="{D42A27DB-BD31-4B8C-83A1-F6EECF244321}">
-                <p14:modId xmlns:p14="http://schemas.microsoft.com/office/powerpoint/2010/main" val="1143641981"/>
+                <p14:modId xmlns:p14="http://schemas.microsoft.com/office/powerpoint/2010/main" val="2550596762"/>
               </p:ext>
             </p:extLst>
           </p:nvPr>

--- a/Publish Paper/Diagram/F1 RECALL GRAPH.pptx
+++ b/Publish Paper/Diagram/F1 RECALL GRAPH.pptx
@@ -215,6 +215,64 @@
             <a:effectLst/>
           </c:spPr>
           <c:invertIfNegative val="0"/>
+          <c:dLbls>
+            <c:spPr>
+              <a:noFill/>
+              <a:ln>
+                <a:noFill/>
+              </a:ln>
+              <a:effectLst/>
+            </c:spPr>
+            <c:txPr>
+              <a:bodyPr rot="0" spcFirstLastPara="1" vertOverflow="ellipsis" vert="horz" wrap="square" lIns="38100" tIns="19050" rIns="38100" bIns="19050" anchor="ctr" anchorCtr="1">
+                <a:spAutoFit/>
+              </a:bodyPr>
+              <a:lstStyle/>
+              <a:p>
+                <a:pPr>
+                  <a:defRPr sz="1197" b="0" i="0" u="none" strike="noStrike" kern="1200" baseline="0">
+                    <a:solidFill>
+                      <a:schemeClr val="dk1">
+                        <a:lumMod val="75000"/>
+                        <a:lumOff val="25000"/>
+                      </a:schemeClr>
+                    </a:solidFill>
+                    <a:latin typeface="+mn-lt"/>
+                    <a:ea typeface="+mn-ea"/>
+                    <a:cs typeface="+mn-cs"/>
+                  </a:defRPr>
+                </a:pPr>
+                <a:endParaRPr lang="en-US"/>
+              </a:p>
+            </c:txPr>
+            <c:dLblPos val="outEnd"/>
+            <c:showLegendKey val="0"/>
+            <c:showVal val="1"/>
+            <c:showCatName val="0"/>
+            <c:showSerName val="0"/>
+            <c:showPercent val="0"/>
+            <c:showBubbleSize val="0"/>
+            <c:showLeaderLines val="0"/>
+            <c:extLst>
+              <c:ext xmlns:c15="http://schemas.microsoft.com/office/drawing/2012/chart" uri="{CE6537A1-D6FC-4f65-9D91-7224C49458BB}">
+                <c15:showLeaderLines val="1"/>
+                <c15:leaderLines>
+                  <c:spPr>
+                    <a:ln w="9525" cap="flat" cmpd="sng" algn="ctr">
+                      <a:solidFill>
+                        <a:schemeClr val="dk1">
+                          <a:lumMod val="35000"/>
+                          <a:lumOff val="65000"/>
+                        </a:schemeClr>
+                      </a:solidFill>
+                      <a:round/>
+                    </a:ln>
+                    <a:effectLst/>
+                  </c:spPr>
+                </c15:leaderLines>
+              </c:ext>
+            </c:extLst>
+          </c:dLbls>
           <c:cat>
             <c:strRef>
               <c:f>Sheet1!$A$2:$A$8</c:f>
@@ -304,6 +362,64 @@
             <a:effectLst/>
           </c:spPr>
           <c:invertIfNegative val="0"/>
+          <c:dLbls>
+            <c:spPr>
+              <a:noFill/>
+              <a:ln>
+                <a:noFill/>
+              </a:ln>
+              <a:effectLst/>
+            </c:spPr>
+            <c:txPr>
+              <a:bodyPr rot="0" spcFirstLastPara="1" vertOverflow="ellipsis" vert="horz" wrap="square" lIns="38100" tIns="19050" rIns="38100" bIns="19050" anchor="ctr" anchorCtr="1">
+                <a:spAutoFit/>
+              </a:bodyPr>
+              <a:lstStyle/>
+              <a:p>
+                <a:pPr>
+                  <a:defRPr sz="1197" b="0" i="0" u="none" strike="noStrike" kern="1200" baseline="0">
+                    <a:solidFill>
+                      <a:schemeClr val="dk1">
+                        <a:lumMod val="75000"/>
+                        <a:lumOff val="25000"/>
+                      </a:schemeClr>
+                    </a:solidFill>
+                    <a:latin typeface="+mn-lt"/>
+                    <a:ea typeface="+mn-ea"/>
+                    <a:cs typeface="+mn-cs"/>
+                  </a:defRPr>
+                </a:pPr>
+                <a:endParaRPr lang="en-US"/>
+              </a:p>
+            </c:txPr>
+            <c:dLblPos val="outEnd"/>
+            <c:showLegendKey val="0"/>
+            <c:showVal val="1"/>
+            <c:showCatName val="0"/>
+            <c:showSerName val="0"/>
+            <c:showPercent val="0"/>
+            <c:showBubbleSize val="0"/>
+            <c:showLeaderLines val="0"/>
+            <c:extLst>
+              <c:ext xmlns:c15="http://schemas.microsoft.com/office/drawing/2012/chart" uri="{CE6537A1-D6FC-4f65-9D91-7224C49458BB}">
+                <c15:showLeaderLines val="1"/>
+                <c15:leaderLines>
+                  <c:spPr>
+                    <a:ln w="9525" cap="flat" cmpd="sng" algn="ctr">
+                      <a:solidFill>
+                        <a:schemeClr val="dk1">
+                          <a:lumMod val="35000"/>
+                          <a:lumOff val="65000"/>
+                        </a:schemeClr>
+                      </a:solidFill>
+                      <a:round/>
+                    </a:ln>
+                    <a:effectLst/>
+                  </c:spPr>
+                </c15:leaderLines>
+              </c:ext>
+            </c:extLst>
+          </c:dLbls>
           <c:cat>
             <c:strRef>
               <c:f>Sheet1!$A$2:$A$8</c:f>
@@ -370,8 +486,9 @@
           </c:extLst>
         </c:ser>
         <c:dLbls>
+          <c:dLblPos val="outEnd"/>
           <c:showLegendKey val="0"/>
-          <c:showVal val="0"/>
+          <c:showVal val="1"/>
           <c:showCatName val="0"/>
           <c:showSerName val="0"/>
           <c:showPercent val="0"/>
@@ -505,45 +622,6 @@
         <c:crosses val="autoZero"/>
         <c:crossBetween val="between"/>
       </c:valAx>
-      <c:dTable>
-        <c:showHorzBorder val="1"/>
-        <c:showVertBorder val="1"/>
-        <c:showOutline val="1"/>
-        <c:showKeys val="1"/>
-        <c:spPr>
-          <a:noFill/>
-          <a:ln w="9525" cap="flat" cmpd="sng" algn="ctr">
-            <a:solidFill>
-              <a:schemeClr val="dk1">
-                <a:lumMod val="15000"/>
-                <a:lumOff val="85000"/>
-              </a:schemeClr>
-            </a:solidFill>
-            <a:round/>
-          </a:ln>
-          <a:effectLst/>
-        </c:spPr>
-        <c:txPr>
-          <a:bodyPr rot="0" spcFirstLastPara="1" vertOverflow="ellipsis" vert="horz" wrap="square" anchor="ctr" anchorCtr="1"/>
-          <a:lstStyle/>
-          <a:p>
-            <a:pPr rtl="0">
-              <a:defRPr sz="1064" b="0" i="0" u="none" strike="noStrike" kern="1200" baseline="0">
-                <a:solidFill>
-                  <a:schemeClr val="dk1">
-                    <a:lumMod val="65000"/>
-                    <a:lumOff val="35000"/>
-                  </a:schemeClr>
-                </a:solidFill>
-                <a:latin typeface="+mn-lt"/>
-                <a:ea typeface="+mn-ea"/>
-                <a:cs typeface="+mn-cs"/>
-              </a:defRPr>
-            </a:pPr>
-            <a:endParaRPr lang="en-US"/>
-          </a:p>
-        </c:txPr>
-      </c:dTable>
       <c:spPr>
         <a:pattFill prst="ltDnDiag">
           <a:fgClr>
@@ -735,6 +813,64 @@
             <a:effectLst/>
           </c:spPr>
           <c:invertIfNegative val="0"/>
+          <c:dLbls>
+            <c:spPr>
+              <a:noFill/>
+              <a:ln>
+                <a:noFill/>
+              </a:ln>
+              <a:effectLst/>
+            </c:spPr>
+            <c:txPr>
+              <a:bodyPr rot="0" spcFirstLastPara="1" vertOverflow="ellipsis" vert="horz" wrap="square" lIns="38100" tIns="19050" rIns="38100" bIns="19050" anchor="ctr" anchorCtr="1">
+                <a:spAutoFit/>
+              </a:bodyPr>
+              <a:lstStyle/>
+              <a:p>
+                <a:pPr>
+                  <a:defRPr sz="1197" b="0" i="0" u="none" strike="noStrike" kern="1200" baseline="0">
+                    <a:solidFill>
+                      <a:schemeClr val="dk1">
+                        <a:lumMod val="75000"/>
+                        <a:lumOff val="25000"/>
+                      </a:schemeClr>
+                    </a:solidFill>
+                    <a:latin typeface="+mn-lt"/>
+                    <a:ea typeface="+mn-ea"/>
+                    <a:cs typeface="+mn-cs"/>
+                  </a:defRPr>
+                </a:pPr>
+                <a:endParaRPr lang="en-US"/>
+              </a:p>
+            </c:txPr>
+            <c:dLblPos val="outEnd"/>
+            <c:showLegendKey val="0"/>
+            <c:showVal val="1"/>
+            <c:showCatName val="0"/>
+            <c:showSerName val="0"/>
+            <c:showPercent val="0"/>
+            <c:showBubbleSize val="0"/>
+            <c:showLeaderLines val="0"/>
+            <c:extLst>
+              <c:ext xmlns:c15="http://schemas.microsoft.com/office/drawing/2012/chart" uri="{CE6537A1-D6FC-4f65-9D91-7224C49458BB}">
+                <c15:showLeaderLines val="1"/>
+                <c15:leaderLines>
+                  <c:spPr>
+                    <a:ln w="9525" cap="flat" cmpd="sng" algn="ctr">
+                      <a:solidFill>
+                        <a:schemeClr val="dk1">
+                          <a:lumMod val="35000"/>
+                          <a:lumOff val="65000"/>
+                        </a:schemeClr>
+                      </a:solidFill>
+                      <a:round/>
+                    </a:ln>
+                    <a:effectLst/>
+                  </c:spPr>
+                </c15:leaderLines>
+              </c:ext>
+            </c:extLst>
+          </c:dLbls>
           <c:cat>
             <c:strRef>
               <c:f>Sheet1!$A$2:$A$8</c:f>
@@ -828,6 +964,64 @@
             <a:effectLst/>
           </c:spPr>
           <c:invertIfNegative val="0"/>
+          <c:dLbls>
+            <c:spPr>
+              <a:noFill/>
+              <a:ln>
+                <a:noFill/>
+              </a:ln>
+              <a:effectLst/>
+            </c:spPr>
+            <c:txPr>
+              <a:bodyPr rot="0" spcFirstLastPara="1" vertOverflow="ellipsis" vert="horz" wrap="square" lIns="38100" tIns="19050" rIns="38100" bIns="19050" anchor="ctr" anchorCtr="1">
+                <a:spAutoFit/>
+              </a:bodyPr>
+              <a:lstStyle/>
+              <a:p>
+                <a:pPr>
+                  <a:defRPr sz="1197" b="0" i="0" u="none" strike="noStrike" kern="1200" baseline="0">
+                    <a:solidFill>
+                      <a:schemeClr val="dk1">
+                        <a:lumMod val="75000"/>
+                        <a:lumOff val="25000"/>
+                      </a:schemeClr>
+                    </a:solidFill>
+                    <a:latin typeface="+mn-lt"/>
+                    <a:ea typeface="+mn-ea"/>
+                    <a:cs typeface="+mn-cs"/>
+                  </a:defRPr>
+                </a:pPr>
+                <a:endParaRPr lang="en-US"/>
+              </a:p>
+            </c:txPr>
+            <c:dLblPos val="outEnd"/>
+            <c:showLegendKey val="0"/>
+            <c:showVal val="1"/>
+            <c:showCatName val="0"/>
+            <c:showSerName val="0"/>
+            <c:showPercent val="0"/>
+            <c:showBubbleSize val="0"/>
+            <c:showLeaderLines val="0"/>
+            <c:extLst>
+              <c:ext xmlns:c15="http://schemas.microsoft.com/office/drawing/2012/chart" uri="{CE6537A1-D6FC-4f65-9D91-7224C49458BB}">
+                <c15:showLeaderLines val="1"/>
+                <c15:leaderLines>
+                  <c:spPr>
+                    <a:ln w="9525" cap="flat" cmpd="sng" algn="ctr">
+                      <a:solidFill>
+                        <a:schemeClr val="dk1">
+                          <a:lumMod val="35000"/>
+                          <a:lumOff val="65000"/>
+                        </a:schemeClr>
+                      </a:solidFill>
+                      <a:round/>
+                    </a:ln>
+                    <a:effectLst/>
+                  </c:spPr>
+                </c15:leaderLines>
+              </c:ext>
+            </c:extLst>
+          </c:dLbls>
           <c:cat>
             <c:strRef>
               <c:f>Sheet1!$A$2:$A$8</c:f>
@@ -894,8 +1088,9 @@
           </c:extLst>
         </c:ser>
         <c:dLbls>
+          <c:dLblPos val="outEnd"/>
           <c:showLegendKey val="0"/>
-          <c:showVal val="0"/>
+          <c:showVal val="1"/>
           <c:showCatName val="0"/>
           <c:showSerName val="0"/>
           <c:showPercent val="0"/>
@@ -1028,45 +1223,6 @@
         <c:crosses val="autoZero"/>
         <c:crossBetween val="between"/>
       </c:valAx>
-      <c:dTable>
-        <c:showHorzBorder val="1"/>
-        <c:showVertBorder val="1"/>
-        <c:showOutline val="1"/>
-        <c:showKeys val="1"/>
-        <c:spPr>
-          <a:noFill/>
-          <a:ln w="9525" cap="flat" cmpd="sng" algn="ctr">
-            <a:solidFill>
-              <a:schemeClr val="dk1">
-                <a:lumMod val="15000"/>
-                <a:lumOff val="85000"/>
-              </a:schemeClr>
-            </a:solidFill>
-            <a:round/>
-          </a:ln>
-          <a:effectLst/>
-        </c:spPr>
-        <c:txPr>
-          <a:bodyPr rot="0" spcFirstLastPara="1" vertOverflow="ellipsis" vert="horz" wrap="square" anchor="ctr" anchorCtr="1"/>
-          <a:lstStyle/>
-          <a:p>
-            <a:pPr rtl="0">
-              <a:defRPr sz="1064" b="0" i="0" u="none" strike="noStrike" kern="1200" baseline="0">
-                <a:solidFill>
-                  <a:schemeClr val="dk1">
-                    <a:lumMod val="65000"/>
-                    <a:lumOff val="35000"/>
-                  </a:schemeClr>
-                </a:solidFill>
-                <a:latin typeface="+mn-lt"/>
-                <a:ea typeface="+mn-ea"/>
-                <a:cs typeface="+mn-cs"/>
-              </a:defRPr>
-            </a:pPr>
-            <a:endParaRPr lang="en-US"/>
-          </a:p>
-        </c:txPr>
-      </c:dTable>
       <c:spPr>
         <a:pattFill prst="ltDnDiag">
           <a:fgClr>
@@ -1258,6 +1414,64 @@
             <a:effectLst/>
           </c:spPr>
           <c:invertIfNegative val="0"/>
+          <c:dLbls>
+            <c:spPr>
+              <a:noFill/>
+              <a:ln>
+                <a:noFill/>
+              </a:ln>
+              <a:effectLst/>
+            </c:spPr>
+            <c:txPr>
+              <a:bodyPr rot="0" spcFirstLastPara="1" vertOverflow="ellipsis" vert="horz" wrap="square" lIns="38100" tIns="19050" rIns="38100" bIns="19050" anchor="ctr" anchorCtr="1">
+                <a:spAutoFit/>
+              </a:bodyPr>
+              <a:lstStyle/>
+              <a:p>
+                <a:pPr>
+                  <a:defRPr sz="1197" b="0" i="0" u="none" strike="noStrike" kern="1200" baseline="0">
+                    <a:solidFill>
+                      <a:schemeClr val="dk1">
+                        <a:lumMod val="75000"/>
+                        <a:lumOff val="25000"/>
+                      </a:schemeClr>
+                    </a:solidFill>
+                    <a:latin typeface="+mn-lt"/>
+                    <a:ea typeface="+mn-ea"/>
+                    <a:cs typeface="+mn-cs"/>
+                  </a:defRPr>
+                </a:pPr>
+                <a:endParaRPr lang="en-US"/>
+              </a:p>
+            </c:txPr>
+            <c:dLblPos val="outEnd"/>
+            <c:showLegendKey val="0"/>
+            <c:showVal val="1"/>
+            <c:showCatName val="0"/>
+            <c:showSerName val="0"/>
+            <c:showPercent val="0"/>
+            <c:showBubbleSize val="0"/>
+            <c:showLeaderLines val="0"/>
+            <c:extLst>
+              <c:ext xmlns:c15="http://schemas.microsoft.com/office/drawing/2012/chart" uri="{CE6537A1-D6FC-4f65-9D91-7224C49458BB}">
+                <c15:showLeaderLines val="1"/>
+                <c15:leaderLines>
+                  <c:spPr>
+                    <a:ln w="9525" cap="flat" cmpd="sng" algn="ctr">
+                      <a:solidFill>
+                        <a:schemeClr val="dk1">
+                          <a:lumMod val="35000"/>
+                          <a:lumOff val="65000"/>
+                        </a:schemeClr>
+                      </a:solidFill>
+                      <a:round/>
+                    </a:ln>
+                    <a:effectLst/>
+                  </c:spPr>
+                </c15:leaderLines>
+              </c:ext>
+            </c:extLst>
+          </c:dLbls>
           <c:cat>
             <c:strRef>
               <c:f>Sheet1!$A$2:$A$8</c:f>
@@ -1351,6 +1565,64 @@
             <a:effectLst/>
           </c:spPr>
           <c:invertIfNegative val="0"/>
+          <c:dLbls>
+            <c:spPr>
+              <a:noFill/>
+              <a:ln>
+                <a:noFill/>
+              </a:ln>
+              <a:effectLst/>
+            </c:spPr>
+            <c:txPr>
+              <a:bodyPr rot="0" spcFirstLastPara="1" vertOverflow="ellipsis" vert="horz" wrap="square" lIns="38100" tIns="19050" rIns="38100" bIns="19050" anchor="ctr" anchorCtr="1">
+                <a:spAutoFit/>
+              </a:bodyPr>
+              <a:lstStyle/>
+              <a:p>
+                <a:pPr>
+                  <a:defRPr sz="1197" b="0" i="0" u="none" strike="noStrike" kern="1200" baseline="0">
+                    <a:solidFill>
+                      <a:schemeClr val="dk1">
+                        <a:lumMod val="75000"/>
+                        <a:lumOff val="25000"/>
+                      </a:schemeClr>
+                    </a:solidFill>
+                    <a:latin typeface="+mn-lt"/>
+                    <a:ea typeface="+mn-ea"/>
+                    <a:cs typeface="+mn-cs"/>
+                  </a:defRPr>
+                </a:pPr>
+                <a:endParaRPr lang="en-US"/>
+              </a:p>
+            </c:txPr>
+            <c:dLblPos val="outEnd"/>
+            <c:showLegendKey val="0"/>
+            <c:showVal val="1"/>
+            <c:showCatName val="0"/>
+            <c:showSerName val="0"/>
+            <c:showPercent val="0"/>
+            <c:showBubbleSize val="0"/>
+            <c:showLeaderLines val="0"/>
+            <c:extLst>
+              <c:ext xmlns:c15="http://schemas.microsoft.com/office/drawing/2012/chart" uri="{CE6537A1-D6FC-4f65-9D91-7224C49458BB}">
+                <c15:showLeaderLines val="1"/>
+                <c15:leaderLines>
+                  <c:spPr>
+                    <a:ln w="9525" cap="flat" cmpd="sng" algn="ctr">
+                      <a:solidFill>
+                        <a:schemeClr val="dk1">
+                          <a:lumMod val="35000"/>
+                          <a:lumOff val="65000"/>
+                        </a:schemeClr>
+                      </a:solidFill>
+                      <a:round/>
+                    </a:ln>
+                    <a:effectLst/>
+                  </c:spPr>
+                </c15:leaderLines>
+              </c:ext>
+            </c:extLst>
+          </c:dLbls>
           <c:cat>
             <c:strRef>
               <c:f>Sheet1!$A$2:$A$8</c:f>
@@ -1417,8 +1689,9 @@
           </c:extLst>
         </c:ser>
         <c:dLbls>
+          <c:dLblPos val="outEnd"/>
           <c:showLegendKey val="0"/>
-          <c:showVal val="0"/>
+          <c:showVal val="1"/>
           <c:showCatName val="0"/>
           <c:showSerName val="0"/>
           <c:showPercent val="0"/>
@@ -1551,45 +1824,6 @@
         <c:crosses val="autoZero"/>
         <c:crossBetween val="between"/>
       </c:valAx>
-      <c:dTable>
-        <c:showHorzBorder val="1"/>
-        <c:showVertBorder val="1"/>
-        <c:showOutline val="1"/>
-        <c:showKeys val="1"/>
-        <c:spPr>
-          <a:noFill/>
-          <a:ln w="9525" cap="flat" cmpd="sng" algn="ctr">
-            <a:solidFill>
-              <a:schemeClr val="dk1">
-                <a:lumMod val="15000"/>
-                <a:lumOff val="85000"/>
-              </a:schemeClr>
-            </a:solidFill>
-            <a:round/>
-          </a:ln>
-          <a:effectLst/>
-        </c:spPr>
-        <c:txPr>
-          <a:bodyPr rot="0" spcFirstLastPara="1" vertOverflow="ellipsis" vert="horz" wrap="square" anchor="ctr" anchorCtr="1"/>
-          <a:lstStyle/>
-          <a:p>
-            <a:pPr rtl="0">
-              <a:defRPr sz="1064" b="0" i="0" u="none" strike="noStrike" kern="1200" baseline="0">
-                <a:solidFill>
-                  <a:schemeClr val="dk1">
-                    <a:lumMod val="65000"/>
-                    <a:lumOff val="35000"/>
-                  </a:schemeClr>
-                </a:solidFill>
-                <a:latin typeface="+mn-lt"/>
-                <a:ea typeface="+mn-ea"/>
-                <a:cs typeface="+mn-cs"/>
-              </a:defRPr>
-            </a:pPr>
-            <a:endParaRPr lang="en-US"/>
-          </a:p>
-        </c:txPr>
-      </c:dTable>
       <c:spPr>
         <a:pattFill prst="ltDnDiag">
           <a:fgClr>
@@ -1781,6 +2015,64 @@
             <a:effectLst/>
           </c:spPr>
           <c:invertIfNegative val="0"/>
+          <c:dLbls>
+            <c:spPr>
+              <a:noFill/>
+              <a:ln>
+                <a:noFill/>
+              </a:ln>
+              <a:effectLst/>
+            </c:spPr>
+            <c:txPr>
+              <a:bodyPr rot="0" spcFirstLastPara="1" vertOverflow="ellipsis" vert="horz" wrap="square" lIns="38100" tIns="19050" rIns="38100" bIns="19050" anchor="ctr" anchorCtr="1">
+                <a:spAutoFit/>
+              </a:bodyPr>
+              <a:lstStyle/>
+              <a:p>
+                <a:pPr>
+                  <a:defRPr sz="1197" b="0" i="0" u="none" strike="noStrike" kern="1200" baseline="0">
+                    <a:solidFill>
+                      <a:schemeClr val="dk1">
+                        <a:lumMod val="75000"/>
+                        <a:lumOff val="25000"/>
+                      </a:schemeClr>
+                    </a:solidFill>
+                    <a:latin typeface="+mn-lt"/>
+                    <a:ea typeface="+mn-ea"/>
+                    <a:cs typeface="+mn-cs"/>
+                  </a:defRPr>
+                </a:pPr>
+                <a:endParaRPr lang="en-US"/>
+              </a:p>
+            </c:txPr>
+            <c:dLblPos val="outEnd"/>
+            <c:showLegendKey val="0"/>
+            <c:showVal val="1"/>
+            <c:showCatName val="0"/>
+            <c:showSerName val="0"/>
+            <c:showPercent val="0"/>
+            <c:showBubbleSize val="0"/>
+            <c:showLeaderLines val="0"/>
+            <c:extLst>
+              <c:ext xmlns:c15="http://schemas.microsoft.com/office/drawing/2012/chart" uri="{CE6537A1-D6FC-4f65-9D91-7224C49458BB}">
+                <c15:showLeaderLines val="1"/>
+                <c15:leaderLines>
+                  <c:spPr>
+                    <a:ln w="9525" cap="flat" cmpd="sng" algn="ctr">
+                      <a:solidFill>
+                        <a:schemeClr val="dk1">
+                          <a:lumMod val="35000"/>
+                          <a:lumOff val="65000"/>
+                        </a:schemeClr>
+                      </a:solidFill>
+                      <a:round/>
+                    </a:ln>
+                    <a:effectLst/>
+                  </c:spPr>
+                </c15:leaderLines>
+              </c:ext>
+            </c:extLst>
+          </c:dLbls>
           <c:cat>
             <c:strRef>
               <c:f>Sheet1!$A$2:$A$8</c:f>
@@ -1874,6 +2166,64 @@
             <a:effectLst/>
           </c:spPr>
           <c:invertIfNegative val="0"/>
+          <c:dLbls>
+            <c:spPr>
+              <a:noFill/>
+              <a:ln>
+                <a:noFill/>
+              </a:ln>
+              <a:effectLst/>
+            </c:spPr>
+            <c:txPr>
+              <a:bodyPr rot="0" spcFirstLastPara="1" vertOverflow="ellipsis" vert="horz" wrap="square" lIns="38100" tIns="19050" rIns="38100" bIns="19050" anchor="ctr" anchorCtr="1">
+                <a:spAutoFit/>
+              </a:bodyPr>
+              <a:lstStyle/>
+              <a:p>
+                <a:pPr>
+                  <a:defRPr sz="1197" b="0" i="0" u="none" strike="noStrike" kern="1200" baseline="0">
+                    <a:solidFill>
+                      <a:schemeClr val="dk1">
+                        <a:lumMod val="75000"/>
+                        <a:lumOff val="25000"/>
+                      </a:schemeClr>
+                    </a:solidFill>
+                    <a:latin typeface="+mn-lt"/>
+                    <a:ea typeface="+mn-ea"/>
+                    <a:cs typeface="+mn-cs"/>
+                  </a:defRPr>
+                </a:pPr>
+                <a:endParaRPr lang="en-US"/>
+              </a:p>
+            </c:txPr>
+            <c:dLblPos val="outEnd"/>
+            <c:showLegendKey val="0"/>
+            <c:showVal val="1"/>
+            <c:showCatName val="0"/>
+            <c:showSerName val="0"/>
+            <c:showPercent val="0"/>
+            <c:showBubbleSize val="0"/>
+            <c:showLeaderLines val="0"/>
+            <c:extLst>
+              <c:ext xmlns:c15="http://schemas.microsoft.com/office/drawing/2012/chart" uri="{CE6537A1-D6FC-4f65-9D91-7224C49458BB}">
+                <c15:showLeaderLines val="1"/>
+                <c15:leaderLines>
+                  <c:spPr>
+                    <a:ln w="9525" cap="flat" cmpd="sng" algn="ctr">
+                      <a:solidFill>
+                        <a:schemeClr val="dk1">
+                          <a:lumMod val="35000"/>
+                          <a:lumOff val="65000"/>
+                        </a:schemeClr>
+                      </a:solidFill>
+                      <a:round/>
+                    </a:ln>
+                    <a:effectLst/>
+                  </c:spPr>
+                </c15:leaderLines>
+              </c:ext>
+            </c:extLst>
+          </c:dLbls>
           <c:cat>
             <c:strRef>
               <c:f>Sheet1!$A$2:$A$8</c:f>
@@ -1940,8 +2290,9 @@
           </c:extLst>
         </c:ser>
         <c:dLbls>
+          <c:dLblPos val="outEnd"/>
           <c:showLegendKey val="0"/>
-          <c:showVal val="0"/>
+          <c:showVal val="1"/>
           <c:showCatName val="0"/>
           <c:showSerName val="0"/>
           <c:showPercent val="0"/>
@@ -2073,45 +2424,6 @@
         <c:crosses val="autoZero"/>
         <c:crossBetween val="between"/>
       </c:valAx>
-      <c:dTable>
-        <c:showHorzBorder val="1"/>
-        <c:showVertBorder val="1"/>
-        <c:showOutline val="1"/>
-        <c:showKeys val="1"/>
-        <c:spPr>
-          <a:noFill/>
-          <a:ln w="9525" cap="flat" cmpd="sng" algn="ctr">
-            <a:solidFill>
-              <a:schemeClr val="dk1">
-                <a:lumMod val="15000"/>
-                <a:lumOff val="85000"/>
-              </a:schemeClr>
-            </a:solidFill>
-            <a:round/>
-          </a:ln>
-          <a:effectLst/>
-        </c:spPr>
-        <c:txPr>
-          <a:bodyPr rot="0" spcFirstLastPara="1" vertOverflow="ellipsis" vert="horz" wrap="square" anchor="ctr" anchorCtr="1"/>
-          <a:lstStyle/>
-          <a:p>
-            <a:pPr rtl="0">
-              <a:defRPr sz="1064" b="0" i="0" u="none" strike="noStrike" kern="1200" baseline="0">
-                <a:solidFill>
-                  <a:schemeClr val="dk1">
-                    <a:lumMod val="65000"/>
-                    <a:lumOff val="35000"/>
-                  </a:schemeClr>
-                </a:solidFill>
-                <a:latin typeface="+mn-lt"/>
-                <a:ea typeface="+mn-ea"/>
-                <a:cs typeface="+mn-cs"/>
-              </a:defRPr>
-            </a:pPr>
-            <a:endParaRPr lang="en-US"/>
-          </a:p>
-        </c:txPr>
-      </c:dTable>
       <c:spPr>
         <a:pattFill prst="ltDnDiag">
           <a:fgClr>
